--- a/Project.pptx
+++ b/Project.pptx
@@ -5,10 +5,10 @@
     <p:sldMasterId id="2147483650" r:id="rId4"/>
   </p:sldMasterIdLst>
   <p:notesMasterIdLst>
-    <p:notesMasterId r:id="rId14"/>
+    <p:notesMasterId r:id="rId15"/>
   </p:notesMasterIdLst>
   <p:handoutMasterIdLst>
-    <p:handoutMasterId r:id="rId15"/>
+    <p:handoutMasterId r:id="rId16"/>
   </p:handoutMasterIdLst>
   <p:sldIdLst>
     <p:sldId id="312" r:id="rId5"/>
@@ -16,10 +16,11 @@
     <p:sldId id="313" r:id="rId7"/>
     <p:sldId id="316" r:id="rId8"/>
     <p:sldId id="317" r:id="rId9"/>
-    <p:sldId id="318" r:id="rId10"/>
-    <p:sldId id="319" r:id="rId11"/>
-    <p:sldId id="320" r:id="rId12"/>
-    <p:sldId id="297" r:id="rId13"/>
+    <p:sldId id="321" r:id="rId10"/>
+    <p:sldId id="318" r:id="rId11"/>
+    <p:sldId id="319" r:id="rId12"/>
+    <p:sldId id="320" r:id="rId13"/>
+    <p:sldId id="297" r:id="rId14"/>
   </p:sldIdLst>
   <p:sldSz cx="12192000" cy="6858000"/>
   <p:notesSz cx="13716000" cy="24384000"/>
@@ -625,6 +626,89 @@
 </p:notes>
 </file>
 
+<file path=ppt/notesSlides/notesSlide10.xml><?xml version="1.0" encoding="utf-8"?>
+<p:notes xmlns:a="http://schemas.openxmlformats.org/drawingml/2006/main" xmlns:r="http://schemas.openxmlformats.org/officeDocument/2006/relationships" xmlns:p="http://schemas.openxmlformats.org/presentationml/2006/main">
+  <p:cSld>
+    <p:spTree>
+      <p:nvGrpSpPr>
+        <p:cNvPr id="1" name=""/>
+        <p:cNvGrpSpPr/>
+        <p:nvPr/>
+      </p:nvGrpSpPr>
+      <p:grpSpPr>
+        <a:xfrm>
+          <a:off x="0" y="0"/>
+          <a:ext cx="0" cy="0"/>
+          <a:chOff x="0" y="0"/>
+          <a:chExt cx="0" cy="0"/>
+        </a:xfrm>
+      </p:grpSpPr>
+      <p:sp>
+        <p:nvSpPr>
+          <p:cNvPr id="2" name="Slide Image Placeholder 1"/>
+          <p:cNvSpPr>
+            <a:spLocks noGrp="1" noRot="1" noChangeAspect="1"/>
+          </p:cNvSpPr>
+          <p:nvPr>
+            <p:ph type="sldImg"/>
+          </p:nvPr>
+        </p:nvSpPr>
+        <p:spPr>
+          <a:xfrm>
+            <a:off x="-457200" y="3048000"/>
+            <a:ext cx="14630400" cy="8229600"/>
+          </a:xfrm>
+          <a:prstGeom prst="rect">
+            <a:avLst/>
+          </a:prstGeom>
+          <a:noFill/>
+          <a:ln w="12700">
+            <a:solidFill>
+              <a:prstClr val="black"/>
+            </a:solidFill>
+          </a:ln>
+        </p:spPr>
+      </p:sp>
+      <p:sp>
+        <p:nvSpPr>
+          <p:cNvPr id="3" name="Notes Placeholder 2"/>
+          <p:cNvSpPr>
+            <a:spLocks noGrp="1"/>
+          </p:cNvSpPr>
+          <p:nvPr>
+            <p:ph type="body" idx="1"/>
+          </p:nvPr>
+        </p:nvSpPr>
+        <p:spPr>
+          <a:xfrm>
+            <a:off x="1371600" y="11734800"/>
+            <a:ext cx="10972800" cy="9601200"/>
+          </a:xfrm>
+          <a:prstGeom prst="rect">
+            <a:avLst/>
+          </a:prstGeom>
+        </p:spPr>
+        <p:txBody>
+          <a:bodyPr/>
+          <a:lstStyle/>
+          <a:p>
+            <a:endParaRPr lang="en-US" dirty="0"/>
+          </a:p>
+        </p:txBody>
+      </p:sp>
+    </p:spTree>
+    <p:extLst>
+      <p:ext uri="{BB962C8B-B14F-4D97-AF65-F5344CB8AC3E}">
+        <p14:creationId xmlns:p14="http://schemas.microsoft.com/office/powerpoint/2010/main" val="931307476"/>
+      </p:ext>
+    </p:extLst>
+  </p:cSld>
+  <p:clrMapOvr>
+    <a:masterClrMapping/>
+  </p:clrMapOvr>
+</p:notes>
+</file>
+
 <file path=ppt/notesSlides/notesSlide2.xml><?xml version="1.0" encoding="utf-8"?>
 <p:notes xmlns:a="http://schemas.openxmlformats.org/drawingml/2006/main" xmlns:r="http://schemas.openxmlformats.org/officeDocument/2006/relationships" xmlns:p="http://schemas.openxmlformats.org/presentationml/2006/main">
   <p:cSld>
@@ -1037,6 +1121,107 @@
         <p:cNvPr id="1" name="">
           <a:extLst>
             <a:ext uri="{FF2B5EF4-FFF2-40B4-BE49-F238E27FC236}">
+              <a16:creationId xmlns:a16="http://schemas.microsoft.com/office/drawing/2014/main" id="{4C4357B8-1146-AFA0-FF1B-5FEAA95F0F37}"/>
+            </a:ext>
+          </a:extLst>
+        </p:cNvPr>
+        <p:cNvGrpSpPr/>
+        <p:nvPr/>
+      </p:nvGrpSpPr>
+      <p:grpSpPr>
+        <a:xfrm>
+          <a:off x="0" y="0"/>
+          <a:ext cx="0" cy="0"/>
+          <a:chOff x="0" y="0"/>
+          <a:chExt cx="0" cy="0"/>
+        </a:xfrm>
+      </p:grpSpPr>
+      <p:sp>
+        <p:nvSpPr>
+          <p:cNvPr id="2" name="Slide Image Placeholder 1">
+            <a:extLst>
+              <a:ext uri="{FF2B5EF4-FFF2-40B4-BE49-F238E27FC236}">
+                <a16:creationId xmlns:a16="http://schemas.microsoft.com/office/drawing/2014/main" id="{676F02F0-382F-F41D-C313-FA89EFB7218E}"/>
+              </a:ext>
+            </a:extLst>
+          </p:cNvPr>
+          <p:cNvSpPr>
+            <a:spLocks noGrp="1" noRot="1" noChangeAspect="1"/>
+          </p:cNvSpPr>
+          <p:nvPr>
+            <p:ph type="sldImg"/>
+          </p:nvPr>
+        </p:nvSpPr>
+        <p:spPr>
+          <a:xfrm>
+            <a:off x="-457200" y="3048000"/>
+            <a:ext cx="14630400" cy="8229600"/>
+          </a:xfrm>
+          <a:prstGeom prst="rect">
+            <a:avLst/>
+          </a:prstGeom>
+          <a:noFill/>
+          <a:ln w="12700">
+            <a:solidFill>
+              <a:prstClr val="black"/>
+            </a:solidFill>
+          </a:ln>
+        </p:spPr>
+      </p:sp>
+      <p:sp>
+        <p:nvSpPr>
+          <p:cNvPr id="3" name="Notes Placeholder 2">
+            <a:extLst>
+              <a:ext uri="{FF2B5EF4-FFF2-40B4-BE49-F238E27FC236}">
+                <a16:creationId xmlns:a16="http://schemas.microsoft.com/office/drawing/2014/main" id="{0950E726-2B64-CD14-3C09-61B87CA3654A}"/>
+              </a:ext>
+            </a:extLst>
+          </p:cNvPr>
+          <p:cNvSpPr>
+            <a:spLocks noGrp="1"/>
+          </p:cNvSpPr>
+          <p:nvPr>
+            <p:ph type="body" idx="1"/>
+          </p:nvPr>
+        </p:nvSpPr>
+        <p:spPr>
+          <a:xfrm>
+            <a:off x="1371600" y="11734800"/>
+            <a:ext cx="10972800" cy="9601200"/>
+          </a:xfrm>
+          <a:prstGeom prst="rect">
+            <a:avLst/>
+          </a:prstGeom>
+        </p:spPr>
+        <p:txBody>
+          <a:bodyPr/>
+          <a:lstStyle/>
+          <a:p>
+            <a:endParaRPr lang="en-US" dirty="0"/>
+          </a:p>
+        </p:txBody>
+      </p:sp>
+    </p:spTree>
+    <p:extLst>
+      <p:ext uri="{BB962C8B-B14F-4D97-AF65-F5344CB8AC3E}">
+        <p14:creationId xmlns:p14="http://schemas.microsoft.com/office/powerpoint/2010/main" val="917171027"/>
+      </p:ext>
+    </p:extLst>
+  </p:cSld>
+  <p:clrMapOvr>
+    <a:masterClrMapping/>
+  </p:clrMapOvr>
+</p:notes>
+</file>
+
+<file path=ppt/notesSlides/notesSlide7.xml><?xml version="1.0" encoding="utf-8"?>
+<p:notes xmlns:a="http://schemas.openxmlformats.org/drawingml/2006/main" xmlns:r="http://schemas.openxmlformats.org/officeDocument/2006/relationships" xmlns:p="http://schemas.openxmlformats.org/presentationml/2006/main">
+  <p:cSld>
+    <p:spTree>
+      <p:nvGrpSpPr>
+        <p:cNvPr id="1" name="">
+          <a:extLst>
+            <a:ext uri="{FF2B5EF4-FFF2-40B4-BE49-F238E27FC236}">
               <a16:creationId xmlns:a16="http://schemas.microsoft.com/office/drawing/2014/main" id="{D02DFD94-0323-C534-9F26-48FAE3397C94}"/>
             </a:ext>
           </a:extLst>
@@ -1130,7 +1315,7 @@
 </p:notes>
 </file>
 
-<file path=ppt/notesSlides/notesSlide7.xml><?xml version="1.0" encoding="utf-8"?>
+<file path=ppt/notesSlides/notesSlide8.xml><?xml version="1.0" encoding="utf-8"?>
 <p:notes xmlns:a="http://schemas.openxmlformats.org/drawingml/2006/main" xmlns:r="http://schemas.openxmlformats.org/officeDocument/2006/relationships" xmlns:p="http://schemas.openxmlformats.org/presentationml/2006/main">
   <p:cSld>
     <p:spTree>
@@ -1231,7 +1416,7 @@
 </p:notes>
 </file>
 
-<file path=ppt/notesSlides/notesSlide8.xml><?xml version="1.0" encoding="utf-8"?>
+<file path=ppt/notesSlides/notesSlide9.xml><?xml version="1.0" encoding="utf-8"?>
 <p:notes xmlns:a="http://schemas.openxmlformats.org/drawingml/2006/main" xmlns:r="http://schemas.openxmlformats.org/officeDocument/2006/relationships" xmlns:p="http://schemas.openxmlformats.org/presentationml/2006/main">
   <p:cSld>
     <p:spTree>
@@ -1323,89 +1508,6 @@
     <p:extLst>
       <p:ext uri="{BB962C8B-B14F-4D97-AF65-F5344CB8AC3E}">
         <p14:creationId xmlns:p14="http://schemas.microsoft.com/office/powerpoint/2010/main" val="65713300"/>
-      </p:ext>
-    </p:extLst>
-  </p:cSld>
-  <p:clrMapOvr>
-    <a:masterClrMapping/>
-  </p:clrMapOvr>
-</p:notes>
-</file>
-
-<file path=ppt/notesSlides/notesSlide9.xml><?xml version="1.0" encoding="utf-8"?>
-<p:notes xmlns:a="http://schemas.openxmlformats.org/drawingml/2006/main" xmlns:r="http://schemas.openxmlformats.org/officeDocument/2006/relationships" xmlns:p="http://schemas.openxmlformats.org/presentationml/2006/main">
-  <p:cSld>
-    <p:spTree>
-      <p:nvGrpSpPr>
-        <p:cNvPr id="1" name=""/>
-        <p:cNvGrpSpPr/>
-        <p:nvPr/>
-      </p:nvGrpSpPr>
-      <p:grpSpPr>
-        <a:xfrm>
-          <a:off x="0" y="0"/>
-          <a:ext cx="0" cy="0"/>
-          <a:chOff x="0" y="0"/>
-          <a:chExt cx="0" cy="0"/>
-        </a:xfrm>
-      </p:grpSpPr>
-      <p:sp>
-        <p:nvSpPr>
-          <p:cNvPr id="2" name="Slide Image Placeholder 1"/>
-          <p:cNvSpPr>
-            <a:spLocks noGrp="1" noRot="1" noChangeAspect="1"/>
-          </p:cNvSpPr>
-          <p:nvPr>
-            <p:ph type="sldImg"/>
-          </p:nvPr>
-        </p:nvSpPr>
-        <p:spPr>
-          <a:xfrm>
-            <a:off x="-457200" y="3048000"/>
-            <a:ext cx="14630400" cy="8229600"/>
-          </a:xfrm>
-          <a:prstGeom prst="rect">
-            <a:avLst/>
-          </a:prstGeom>
-          <a:noFill/>
-          <a:ln w="12700">
-            <a:solidFill>
-              <a:prstClr val="black"/>
-            </a:solidFill>
-          </a:ln>
-        </p:spPr>
-      </p:sp>
-      <p:sp>
-        <p:nvSpPr>
-          <p:cNvPr id="3" name="Notes Placeholder 2"/>
-          <p:cNvSpPr>
-            <a:spLocks noGrp="1"/>
-          </p:cNvSpPr>
-          <p:nvPr>
-            <p:ph type="body" idx="1"/>
-          </p:nvPr>
-        </p:nvSpPr>
-        <p:spPr>
-          <a:xfrm>
-            <a:off x="1371600" y="11734800"/>
-            <a:ext cx="10972800" cy="9601200"/>
-          </a:xfrm>
-          <a:prstGeom prst="rect">
-            <a:avLst/>
-          </a:prstGeom>
-        </p:spPr>
-        <p:txBody>
-          <a:bodyPr/>
-          <a:lstStyle/>
-          <a:p>
-            <a:endParaRPr lang="en-US" dirty="0"/>
-          </a:p>
-        </p:txBody>
-      </p:sp>
-    </p:spTree>
-    <p:extLst>
-      <p:ext uri="{BB962C8B-B14F-4D97-AF65-F5344CB8AC3E}">
-        <p14:creationId xmlns:p14="http://schemas.microsoft.com/office/powerpoint/2010/main" val="931307476"/>
       </p:ext>
     </p:extLst>
   </p:cSld>
@@ -17647,6 +17749,76 @@
 </p:sld>
 </file>
 
+<file path=ppt/slides/slide10.xml><?xml version="1.0" encoding="utf-8"?>
+<p:sld xmlns:a="http://schemas.openxmlformats.org/drawingml/2006/main" xmlns:r="http://schemas.openxmlformats.org/officeDocument/2006/relationships" xmlns:p="http://schemas.openxmlformats.org/presentationml/2006/main">
+  <p:cSld>
+    <p:spTree>
+      <p:nvGrpSpPr>
+        <p:cNvPr id="1" name=""/>
+        <p:cNvGrpSpPr/>
+        <p:nvPr/>
+      </p:nvGrpSpPr>
+      <p:grpSpPr>
+        <a:xfrm>
+          <a:off x="0" y="0"/>
+          <a:ext cx="0" cy="0"/>
+          <a:chOff x="0" y="0"/>
+          <a:chExt cx="0" cy="0"/>
+        </a:xfrm>
+      </p:grpSpPr>
+      <p:sp>
+        <p:nvSpPr>
+          <p:cNvPr id="2" name="Title 1">
+            <a:extLst>
+              <a:ext uri="{FF2B5EF4-FFF2-40B4-BE49-F238E27FC236}">
+                <a16:creationId xmlns:a16="http://schemas.microsoft.com/office/drawing/2014/main" id="{509D22C5-0C9E-B582-A8FE-B45E70A01E7F}"/>
+              </a:ext>
+            </a:extLst>
+          </p:cNvPr>
+          <p:cNvSpPr>
+            <a:spLocks noGrp="1"/>
+          </p:cNvSpPr>
+          <p:nvPr>
+            <p:ph type="ctrTitle"/>
+          </p:nvPr>
+        </p:nvSpPr>
+        <p:spPr>
+          <a:xfrm>
+            <a:off x="914400" y="849782"/>
+            <a:ext cx="7708489" cy="2727709"/>
+          </a:xfrm>
+        </p:spPr>
+        <p:txBody>
+          <a:bodyPr/>
+          <a:lstStyle/>
+          <a:p>
+            <a:r>
+              <a:rPr lang="en-US" dirty="0"/>
+              <a:t>Thank </a:t>
+            </a:r>
+            <a:br>
+              <a:rPr lang="en-US" dirty="0"/>
+            </a:br>
+            <a:r>
+              <a:rPr lang="en-US" dirty="0"/>
+              <a:t>you</a:t>
+            </a:r>
+          </a:p>
+        </p:txBody>
+      </p:sp>
+    </p:spTree>
+    <p:extLst>
+      <p:ext uri="{BB962C8B-B14F-4D97-AF65-F5344CB8AC3E}">
+        <p14:creationId xmlns:p14="http://schemas.microsoft.com/office/powerpoint/2010/main" val="1973173046"/>
+      </p:ext>
+    </p:extLst>
+  </p:cSld>
+  <p:clrMapOvr>
+    <a:masterClrMapping/>
+  </p:clrMapOvr>
+</p:sld>
+</file>
+
 <file path=ppt/slides/slide2.xml><?xml version="1.0" encoding="utf-8"?>
 <p:sld xmlns:a="http://schemas.openxmlformats.org/drawingml/2006/main" xmlns:r="http://schemas.openxmlformats.org/officeDocument/2006/relationships" xmlns:p="http://schemas.openxmlformats.org/presentationml/2006/main">
   <p:cSld>
@@ -17823,7 +17995,7 @@
         </p:nvSpPr>
         <p:spPr>
           <a:xfrm>
-            <a:off x="167148" y="928688"/>
+            <a:off x="167148" y="707231"/>
             <a:ext cx="11916697" cy="5929311"/>
           </a:xfrm>
         </p:spPr>
@@ -17863,7 +18035,7 @@
               <a:buChar char="•"/>
             </a:pPr>
             <a:r>
-              <a:rPr lang="en-US" dirty="0">
+              <a:rPr lang="en-US" sz="2600" dirty="0">
                 <a:solidFill>
                   <a:schemeClr val="accent6">
                     <a:lumMod val="50000"/>
@@ -17873,7 +18045,7 @@
               <a:t>  Proposed a l</a:t>
             </a:r>
             <a:r>
-              <a:rPr lang="en-US" b="1" dirty="0">
+              <a:rPr lang="en-US" sz="2600" b="1" dirty="0">
                 <a:solidFill>
                   <a:schemeClr val="accent6">
                     <a:lumMod val="50000"/>
@@ -17883,7 +18055,7 @@
               <a:t>ightweight CNN</a:t>
             </a:r>
             <a:r>
-              <a:rPr lang="en-US" dirty="0">
+              <a:rPr lang="en-US" sz="2600" dirty="0">
                 <a:solidFill>
                   <a:schemeClr val="accent6">
                     <a:lumMod val="50000"/>
@@ -17899,7 +18071,7 @@
               <a:buChar char="•"/>
             </a:pPr>
             <a:r>
-              <a:rPr lang="en-US" dirty="0">
+              <a:rPr lang="en-US" sz="2600" dirty="0">
                 <a:solidFill>
                   <a:schemeClr val="accent6">
                     <a:lumMod val="50000"/>
@@ -17909,7 +18081,7 @@
               <a:t>  Implemented on both </a:t>
             </a:r>
             <a:r>
-              <a:rPr lang="en-US" b="1" dirty="0">
+              <a:rPr lang="en-US" sz="2600" b="1" dirty="0">
                 <a:solidFill>
                   <a:schemeClr val="accent6">
                     <a:lumMod val="50000"/>
@@ -17919,7 +18091,7 @@
               <a:t>FPGA hardware </a:t>
             </a:r>
             <a:r>
-              <a:rPr lang="en-US" dirty="0">
+              <a:rPr lang="en-US" sz="2600" dirty="0">
                 <a:solidFill>
                   <a:schemeClr val="accent6">
                     <a:lumMod val="50000"/>
@@ -17929,7 +18101,7 @@
               <a:t> and  </a:t>
             </a:r>
             <a:r>
-              <a:rPr lang="en-US" b="1" dirty="0">
+              <a:rPr lang="en-US" sz="2600" b="1" dirty="0">
                 <a:solidFill>
                   <a:schemeClr val="accent6">
                     <a:lumMod val="50000"/>
@@ -17939,7 +18111,7 @@
               <a:t>Android devices </a:t>
             </a:r>
             <a:r>
-              <a:rPr lang="en-US" dirty="0">
+              <a:rPr lang="en-US" sz="2600" dirty="0">
                 <a:solidFill>
                   <a:schemeClr val="accent6">
                     <a:lumMod val="50000"/>
@@ -17955,7 +18127,7 @@
               <a:buChar char="•"/>
             </a:pPr>
             <a:r>
-              <a:rPr lang="en-US" dirty="0">
+              <a:rPr lang="en-US" sz="2600" dirty="0">
                 <a:solidFill>
                   <a:schemeClr val="accent6">
                     <a:lumMod val="50000"/>
@@ -18001,7 +18173,7 @@
               <a:buChar char="q"/>
             </a:pPr>
             <a:r>
-              <a:rPr lang="en-US" dirty="0">
+              <a:rPr lang="en-US" sz="2600" dirty="0">
                 <a:solidFill>
                   <a:schemeClr val="accent6">
                     <a:lumMod val="50000"/>
@@ -18017,7 +18189,7 @@
               <a:buChar char="q"/>
             </a:pPr>
             <a:r>
-              <a:rPr lang="en-US" dirty="0">
+              <a:rPr lang="en-US" sz="2600" dirty="0">
                 <a:solidFill>
                   <a:schemeClr val="accent6">
                     <a:lumMod val="50000"/>
@@ -18027,7 +18199,7 @@
               <a:t>  </a:t>
             </a:r>
             <a:r>
-              <a:rPr lang="en-US" b="1" dirty="0">
+              <a:rPr lang="en-US" sz="2600" b="1" dirty="0">
                 <a:solidFill>
                   <a:schemeClr val="accent6">
                     <a:lumMod val="50000"/>
@@ -18037,7 +18209,7 @@
               <a:t>Low power + real-time processing </a:t>
             </a:r>
             <a:r>
-              <a:rPr lang="en-US" dirty="0">
+              <a:rPr lang="en-US" sz="2600" dirty="0">
                 <a:solidFill>
                   <a:schemeClr val="accent6">
                     <a:lumMod val="50000"/>
@@ -18053,7 +18225,7 @@
               <a:buChar char="q"/>
             </a:pPr>
             <a:r>
-              <a:rPr lang="en-US" dirty="0">
+              <a:rPr lang="en-US" sz="2600" dirty="0">
                 <a:solidFill>
                   <a:schemeClr val="accent6">
                     <a:lumMod val="50000"/>
@@ -18063,7 +18235,7 @@
               <a:t>   High  </a:t>
             </a:r>
             <a:r>
-              <a:rPr lang="en-US" b="1" dirty="0">
+              <a:rPr lang="en-US" sz="2600" b="1" dirty="0">
                 <a:solidFill>
                   <a:schemeClr val="accent6">
                     <a:lumMod val="50000"/>
@@ -18073,7 +18245,7 @@
               <a:t>accuracy</a:t>
             </a:r>
             <a:r>
-              <a:rPr lang="en-US" dirty="0">
+              <a:rPr lang="en-US" sz="2600" dirty="0">
                 <a:solidFill>
                   <a:schemeClr val="accent6">
                     <a:lumMod val="50000"/>
@@ -18119,7 +18291,7 @@
               <a:buChar char="•"/>
             </a:pPr>
             <a:r>
-              <a:rPr lang="en-US" dirty="0">
+              <a:rPr lang="en-US" sz="2600" dirty="0">
                 <a:solidFill>
                   <a:schemeClr val="accent6">
                     <a:lumMod val="50000"/>
@@ -18129,7 +18301,7 @@
               <a:t> Extend to detect </a:t>
             </a:r>
             <a:r>
-              <a:rPr lang="en-US" b="1" dirty="0">
+              <a:rPr lang="en-US" sz="2600" b="1" dirty="0">
                 <a:solidFill>
                   <a:schemeClr val="accent6">
                     <a:lumMod val="50000"/>
@@ -18139,7 +18311,7 @@
               <a:t>other recurring diseases</a:t>
             </a:r>
             <a:r>
-              <a:rPr lang="en-US" dirty="0">
+              <a:rPr lang="en-US" sz="2600" dirty="0">
                 <a:solidFill>
                   <a:schemeClr val="accent6">
                     <a:lumMod val="50000"/>
@@ -18155,7 +18327,7 @@
               <a:buChar char="•"/>
             </a:pPr>
             <a:r>
-              <a:rPr lang="en-US" dirty="0">
+              <a:rPr lang="en-US" sz="2600" dirty="0">
                 <a:solidFill>
                   <a:schemeClr val="accent6">
                     <a:lumMod val="50000"/>
@@ -18165,7 +18337,7 @@
               <a:t>Use </a:t>
             </a:r>
             <a:r>
-              <a:rPr lang="en-US" b="1" dirty="0">
+              <a:rPr lang="en-US" sz="2600" b="1" dirty="0">
                 <a:solidFill>
                   <a:schemeClr val="accent6">
                     <a:lumMod val="50000"/>
@@ -18175,7 +18347,7 @@
               <a:t>advanced CNN compression</a:t>
             </a:r>
             <a:r>
-              <a:rPr lang="en-US" dirty="0">
+              <a:rPr lang="en-US" sz="2600" dirty="0">
                 <a:solidFill>
                   <a:schemeClr val="accent6">
                     <a:lumMod val="50000"/>
@@ -18191,7 +18363,7 @@
               <a:buChar char="•"/>
             </a:pPr>
             <a:r>
-              <a:rPr lang="en-US" dirty="0">
+              <a:rPr lang="en-US" sz="2600" dirty="0">
                 <a:solidFill>
                   <a:schemeClr val="accent6">
                     <a:lumMod val="50000"/>
@@ -18200,6 +18372,19 @@
               </a:rPr>
               <a:t> Improve preprocessing or add cloud support for feedback &amp; monitoring.</a:t>
             </a:r>
+          </a:p>
+          <a:p>
+            <a:pPr marL="342900" indent="-342900">
+              <a:buFont typeface="Arial" panose="020B0604020202020204" pitchFamily="34" charset="0"/>
+              <a:buChar char="•"/>
+            </a:pPr>
+            <a:endParaRPr lang="en-US" dirty="0">
+              <a:solidFill>
+                <a:schemeClr val="accent6">
+                  <a:lumMod val="50000"/>
+                </a:schemeClr>
+              </a:solidFill>
+            </a:endParaRPr>
           </a:p>
         </p:txBody>
       </p:sp>
@@ -18311,7 +18496,7 @@
                   </a:schemeClr>
                 </a:solidFill>
               </a:rPr>
-              <a:t>Portable and Cost-Effective Handheld  Ultrasound System Utilizing FPGA-Based </a:t>
+              <a:t>Low-Cost FPGA Implementation of Deep Learning-Based Heart Sound Segmentation</a:t>
             </a:r>
             <a:br>
               <a:rPr lang="en-US" sz="1400" dirty="0">
@@ -18339,7 +18524,7 @@
                   </a:schemeClr>
                 </a:solidFill>
               </a:rPr>
-              <a:t>Synthetic Aperture Imaging</a:t>
+              <a:t>for Real-Time CVDs Screening</a:t>
             </a:r>
             <a:endParaRPr lang="en-US" sz="1400" dirty="0">
               <a:solidFill>
@@ -18385,68 +18570,11 @@
               </a:rPr>
               <a:t>What’s in the Paper:</a:t>
             </a:r>
-          </a:p>
-          <a:p>
-            <a:pPr marL="285750" indent="-285750">
-              <a:buFont typeface="Arial" panose="020B0604020202020204" pitchFamily="34" charset="0"/>
-              <a:buChar char="•"/>
-            </a:pPr>
-            <a:r>
-              <a:rPr lang="en-US" sz="1800" dirty="0">
-                <a:solidFill>
-                  <a:schemeClr val="tx1"/>
-                </a:solidFill>
-              </a:rPr>
-              <a:t>This paper presents a </a:t>
-            </a:r>
-            <a:r>
-              <a:rPr lang="en-US" sz="1800" b="1" dirty="0">
-                <a:solidFill>
-                  <a:schemeClr val="tx1"/>
-                </a:solidFill>
-              </a:rPr>
-              <a:t>handheld ultrasound system</a:t>
-            </a:r>
-            <a:r>
-              <a:rPr lang="en-US" sz="1800" dirty="0">
-                <a:solidFill>
-                  <a:schemeClr val="tx1"/>
-                </a:solidFill>
-              </a:rPr>
-              <a:t> using </a:t>
-            </a:r>
-            <a:r>
-              <a:rPr lang="en-US" sz="1800" b="1" dirty="0">
-                <a:solidFill>
-                  <a:schemeClr val="tx1"/>
-                </a:solidFill>
-              </a:rPr>
-              <a:t>FPGA-based synthetic aperture imaging (SAI)</a:t>
-            </a:r>
-            <a:r>
-              <a:rPr lang="en-US" sz="1800" dirty="0">
-                <a:solidFill>
-                  <a:schemeClr val="tx1"/>
-                </a:solidFill>
-              </a:rPr>
-              <a:t> for diagnosing </a:t>
-            </a:r>
-            <a:r>
-              <a:rPr lang="en-US" sz="1800" b="1" dirty="0">
-                <a:solidFill>
-                  <a:schemeClr val="tx1"/>
-                </a:solidFill>
-              </a:rPr>
-              <a:t>cardiovascular disease</a:t>
-            </a:r>
-            <a:r>
-              <a:rPr lang="en-US" sz="1800" dirty="0">
-                <a:solidFill>
-                  <a:schemeClr val="tx1"/>
-                </a:solidFill>
-              </a:rPr>
-              <a:t>. </a:t>
-            </a:r>
+            <a:endParaRPr lang="en-US" sz="1800" dirty="0">
+              <a:solidFill>
+                <a:schemeClr val="tx1"/>
+              </a:solidFill>
+            </a:endParaRPr>
           </a:p>
           <a:p>
             <a:pPr marL="285750" indent="-285750">
@@ -19109,6 +19237,361 @@
         <p:cNvPr id="1" name="">
           <a:extLst>
             <a:ext uri="{FF2B5EF4-FFF2-40B4-BE49-F238E27FC236}">
+              <a16:creationId xmlns:a16="http://schemas.microsoft.com/office/drawing/2014/main" id="{F8940814-E686-0801-905E-AEFFD75BC07B}"/>
+            </a:ext>
+          </a:extLst>
+        </p:cNvPr>
+        <p:cNvGrpSpPr/>
+        <p:nvPr/>
+      </p:nvGrpSpPr>
+      <p:grpSpPr>
+        <a:xfrm>
+          <a:off x="0" y="0"/>
+          <a:ext cx="0" cy="0"/>
+          <a:chOff x="0" y="0"/>
+          <a:chExt cx="0" cy="0"/>
+        </a:xfrm>
+      </p:grpSpPr>
+      <p:sp>
+        <p:nvSpPr>
+          <p:cNvPr id="2" name="Title 1">
+            <a:extLst>
+              <a:ext uri="{FF2B5EF4-FFF2-40B4-BE49-F238E27FC236}">
+                <a16:creationId xmlns:a16="http://schemas.microsoft.com/office/drawing/2014/main" id="{1FE55275-5534-A7F1-4F78-48C274BDEAA6}"/>
+              </a:ext>
+            </a:extLst>
+          </p:cNvPr>
+          <p:cNvSpPr>
+            <a:spLocks noGrp="1"/>
+          </p:cNvSpPr>
+          <p:nvPr>
+            <p:ph type="title"/>
+          </p:nvPr>
+        </p:nvSpPr>
+        <p:spPr>
+          <a:xfrm>
+            <a:off x="167148" y="-274310"/>
+            <a:ext cx="11916697" cy="1179868"/>
+          </a:xfrm>
+        </p:spPr>
+        <p:txBody>
+          <a:bodyPr>
+            <a:noAutofit/>
+          </a:bodyPr>
+          <a:lstStyle/>
+          <a:p>
+            <a:pPr algn="ctr"/>
+            <a:r>
+              <a:rPr lang="en-US" sz="1400" dirty="0">
+                <a:solidFill>
+                  <a:schemeClr val="accent1">
+                    <a:lumMod val="10000"/>
+                  </a:schemeClr>
+                </a:solidFill>
+              </a:rPr>
+              <a:t>Portable and Cost-Effective Handheld Ultrasound System Utilizing FPGA-Based</a:t>
+            </a:r>
+            <a:br>
+              <a:rPr lang="en-US" sz="1400" dirty="0">
+                <a:solidFill>
+                  <a:schemeClr val="accent1">
+                    <a:lumMod val="10000"/>
+                  </a:schemeClr>
+                </a:solidFill>
+              </a:rPr>
+            </a:br>
+            <a:br>
+              <a:rPr lang="en-US" sz="1400" dirty="0">
+                <a:solidFill>
+                  <a:schemeClr val="accent1">
+                    <a:lumMod val="10000"/>
+                  </a:schemeClr>
+                </a:solidFill>
+              </a:rPr>
+            </a:br>
+            <a:r>
+              <a:rPr lang="en-US" sz="1400" dirty="0">
+                <a:solidFill>
+                  <a:schemeClr val="accent1">
+                    <a:lumMod val="10000"/>
+                  </a:schemeClr>
+                </a:solidFill>
+              </a:rPr>
+              <a:t>Synthetic Aperture Imaging</a:t>
+            </a:r>
+            <a:endParaRPr lang="en-US" sz="1400" dirty="0">
+              <a:solidFill>
+                <a:schemeClr val="tx1"/>
+              </a:solidFill>
+            </a:endParaRPr>
+          </a:p>
+        </p:txBody>
+      </p:sp>
+      <p:sp>
+        <p:nvSpPr>
+          <p:cNvPr id="3" name="Content Placeholder 2">
+            <a:extLst>
+              <a:ext uri="{FF2B5EF4-FFF2-40B4-BE49-F238E27FC236}">
+                <a16:creationId xmlns:a16="http://schemas.microsoft.com/office/drawing/2014/main" id="{D807B2E9-012F-DCFE-EDC8-83D23993A209}"/>
+              </a:ext>
+            </a:extLst>
+          </p:cNvPr>
+          <p:cNvSpPr>
+            <a:spLocks noGrp="1"/>
+          </p:cNvSpPr>
+          <p:nvPr>
+            <p:ph idx="1"/>
+          </p:nvPr>
+        </p:nvSpPr>
+        <p:spPr>
+          <a:xfrm>
+            <a:off x="167148" y="928689"/>
+            <a:ext cx="11916697" cy="5767080"/>
+          </a:xfrm>
+        </p:spPr>
+        <p:txBody>
+          <a:bodyPr>
+            <a:normAutofit/>
+          </a:bodyPr>
+          <a:lstStyle/>
+          <a:p>
+            <a:r>
+              <a:rPr lang="en-US" sz="1800" b="1" dirty="0">
+                <a:solidFill>
+                  <a:schemeClr val="tx1"/>
+                </a:solidFill>
+              </a:rPr>
+              <a:t>What’s in the Paper:</a:t>
+            </a:r>
+          </a:p>
+          <a:p>
+            <a:pPr marL="285750" indent="-285750">
+              <a:buFont typeface="Arial" panose="020B0604020202020204" pitchFamily="34" charset="0"/>
+              <a:buChar char="•"/>
+            </a:pPr>
+            <a:r>
+              <a:rPr lang="en-US" sz="1800" dirty="0">
+                <a:solidFill>
+                  <a:schemeClr val="tx1"/>
+                </a:solidFill>
+              </a:rPr>
+              <a:t>It focuses on handheld ultrasound system using SAI.</a:t>
+            </a:r>
+          </a:p>
+          <a:p>
+            <a:pPr marL="285750" indent="-285750">
+              <a:buFont typeface="Arial" panose="020B0604020202020204" pitchFamily="34" charset="0"/>
+              <a:buChar char="•"/>
+            </a:pPr>
+            <a:r>
+              <a:rPr lang="en-US" sz="1800" dirty="0">
+                <a:solidFill>
+                  <a:schemeClr val="tx1"/>
+                </a:solidFill>
+              </a:rPr>
+              <a:t>It used the DSP and doppler method and B-SCAN methods for  image processing.</a:t>
+            </a:r>
+          </a:p>
+          <a:p>
+            <a:pPr marL="285750" indent="-285750">
+              <a:buFont typeface="Arial" panose="020B0604020202020204" pitchFamily="34" charset="0"/>
+              <a:buChar char="•"/>
+            </a:pPr>
+            <a:r>
+              <a:rPr lang="en-US" sz="1800" dirty="0">
+                <a:solidFill>
+                  <a:schemeClr val="tx1"/>
+                </a:solidFill>
+              </a:rPr>
+              <a:t>It is mainly focused on the simple handled ultrasound scanning device. </a:t>
+            </a:r>
+          </a:p>
+          <a:p>
+            <a:pPr marL="285750" indent="-285750">
+              <a:buFont typeface="Arial" panose="020B0604020202020204" pitchFamily="34" charset="0"/>
+              <a:buChar char="•"/>
+            </a:pPr>
+            <a:r>
+              <a:rPr lang="en-US" sz="1800" b="1" dirty="0">
+                <a:solidFill>
+                  <a:schemeClr val="tx1"/>
+                </a:solidFill>
+              </a:rPr>
+              <a:t>Why It Is Good:</a:t>
+            </a:r>
+          </a:p>
+          <a:p>
+            <a:pPr marL="342900" indent="-342900">
+              <a:buFont typeface="Arial" panose="020B0604020202020204" pitchFamily="34" charset="0"/>
+              <a:buChar char="•"/>
+            </a:pPr>
+            <a:r>
+              <a:rPr lang="en-US" sz="1800" dirty="0">
+                <a:solidFill>
+                  <a:schemeClr val="tx1"/>
+                </a:solidFill>
+              </a:rPr>
+              <a:t>Very useful for remote areas.</a:t>
+            </a:r>
+          </a:p>
+          <a:p>
+            <a:pPr marL="342900" indent="-342900">
+              <a:buFont typeface="Arial" panose="020B0604020202020204" pitchFamily="34" charset="0"/>
+              <a:buChar char="•"/>
+            </a:pPr>
+            <a:r>
+              <a:rPr lang="en-US" sz="1800" dirty="0">
+                <a:solidFill>
+                  <a:schemeClr val="tx1"/>
+                </a:solidFill>
+              </a:rPr>
+              <a:t>Low Cost FPGA implementation.</a:t>
+            </a:r>
+          </a:p>
+          <a:p>
+            <a:pPr marL="342900" indent="-342900">
+              <a:buFont typeface="Arial" panose="020B0604020202020204" pitchFamily="34" charset="0"/>
+              <a:buChar char="•"/>
+            </a:pPr>
+            <a:r>
+              <a:rPr lang="en-US" sz="1800" dirty="0">
+                <a:solidFill>
+                  <a:schemeClr val="tx1"/>
+                </a:solidFill>
+              </a:rPr>
+              <a:t>Whole operations are done in a single probe.</a:t>
+            </a:r>
+          </a:p>
+          <a:p>
+            <a:pPr marL="342900" indent="-342900">
+              <a:buFont typeface="Arial" panose="020B0604020202020204" pitchFamily="34" charset="0"/>
+              <a:buChar char="•"/>
+            </a:pPr>
+            <a:r>
+              <a:rPr lang="en-US" sz="1800" b="1" dirty="0">
+                <a:solidFill>
+                  <a:schemeClr val="tx1"/>
+                </a:solidFill>
+              </a:rPr>
+              <a:t>What Advancements We Can Do:</a:t>
+            </a:r>
+          </a:p>
+          <a:p>
+            <a:pPr marL="342900" indent="-342900">
+              <a:buFont typeface="Arial" panose="020B0604020202020204" pitchFamily="34" charset="0"/>
+              <a:buChar char="•"/>
+            </a:pPr>
+            <a:r>
+              <a:rPr lang="en-US" sz="1800" dirty="0">
+                <a:solidFill>
+                  <a:schemeClr val="tx1"/>
+                </a:solidFill>
+              </a:rPr>
+              <a:t>This can be used as input taking device for devices that required for diseases which need ultrasound imaging.</a:t>
+            </a:r>
+          </a:p>
+          <a:p>
+            <a:pPr marL="342900" indent="-342900">
+              <a:buFont typeface="Arial" panose="020B0604020202020204" pitchFamily="34" charset="0"/>
+              <a:buChar char="•"/>
+            </a:pPr>
+            <a:r>
+              <a:rPr lang="en-US" sz="1800" dirty="0">
+                <a:solidFill>
+                  <a:schemeClr val="tx1"/>
+                </a:solidFill>
+              </a:rPr>
+              <a:t>By increasing the specs of FPGA we can implement both </a:t>
+            </a:r>
+            <a:r>
+              <a:rPr lang="en-US" sz="1800" dirty="0" err="1">
+                <a:solidFill>
+                  <a:schemeClr val="tx1"/>
+                </a:solidFill>
+              </a:rPr>
+              <a:t>i</a:t>
+            </a:r>
+            <a:r>
+              <a:rPr lang="en-US" sz="1800" dirty="0">
+                <a:solidFill>
+                  <a:schemeClr val="tx1"/>
+                </a:solidFill>
+              </a:rPr>
+              <a:t>/p and o/p on board.</a:t>
+            </a:r>
+          </a:p>
+          <a:p>
+            <a:pPr marL="342900" indent="-342900">
+              <a:buFont typeface="Arial" panose="020B0604020202020204" pitchFamily="34" charset="0"/>
+              <a:buChar char="•"/>
+            </a:pPr>
+            <a:r>
+              <a:rPr lang="en-US" sz="1800" dirty="0">
+                <a:solidFill>
+                  <a:schemeClr val="tx1"/>
+                </a:solidFill>
+              </a:rPr>
+              <a:t>Use model optimization techniques (quantization, pruning) for better resource efficiency on FPGA.</a:t>
+            </a:r>
+          </a:p>
+        </p:txBody>
+      </p:sp>
+      <p:sp>
+        <p:nvSpPr>
+          <p:cNvPr id="4" name="Slide Number Placeholder 3">
+            <a:extLst>
+              <a:ext uri="{FF2B5EF4-FFF2-40B4-BE49-F238E27FC236}">
+                <a16:creationId xmlns:a16="http://schemas.microsoft.com/office/drawing/2014/main" id="{A2F34D23-60B1-F689-9C3C-5D8676C288FC}"/>
+              </a:ext>
+            </a:extLst>
+          </p:cNvPr>
+          <p:cNvSpPr>
+            <a:spLocks noGrp="1"/>
+          </p:cNvSpPr>
+          <p:nvPr>
+            <p:ph type="sldNum" sz="quarter" idx="10"/>
+          </p:nvPr>
+        </p:nvSpPr>
+        <p:spPr>
+          <a:xfrm>
+            <a:off x="10358437" y="457199"/>
+            <a:ext cx="1067589" cy="471489"/>
+          </a:xfrm>
+        </p:spPr>
+        <p:txBody>
+          <a:bodyPr/>
+          <a:lstStyle/>
+          <a:p>
+            <a:fld id="{48F63A3B-78C7-47BE-AE5E-E10140E04643}" type="slidenum">
+              <a:rPr lang="en-US" smtClean="0"/>
+              <a:pPr/>
+              <a:t>6</a:t>
+            </a:fld>
+            <a:endParaRPr lang="en-US" dirty="0"/>
+          </a:p>
+        </p:txBody>
+      </p:sp>
+    </p:spTree>
+    <p:extLst>
+      <p:ext uri="{BB962C8B-B14F-4D97-AF65-F5344CB8AC3E}">
+        <p14:creationId xmlns:p14="http://schemas.microsoft.com/office/powerpoint/2010/main" val="2434641769"/>
+      </p:ext>
+    </p:extLst>
+  </p:cSld>
+  <p:clrMapOvr>
+    <a:masterClrMapping/>
+  </p:clrMapOvr>
+</p:sld>
+</file>
+
+<file path=ppt/slides/slide7.xml><?xml version="1.0" encoding="utf-8"?>
+<p:sld xmlns:a="http://schemas.openxmlformats.org/drawingml/2006/main" xmlns:r="http://schemas.openxmlformats.org/officeDocument/2006/relationships" xmlns:p="http://schemas.openxmlformats.org/presentationml/2006/main">
+  <p:cSld>
+    <p:spTree>
+      <p:nvGrpSpPr>
+        <p:cNvPr id="1" name="">
+          <a:extLst>
+            <a:ext uri="{FF2B5EF4-FFF2-40B4-BE49-F238E27FC236}">
               <a16:creationId xmlns:a16="http://schemas.microsoft.com/office/drawing/2014/main" id="{5A430BAB-90E1-131E-BD75-1F14DF123F5C}"/>
             </a:ext>
           </a:extLst>
@@ -19794,7 +20277,7 @@
             <a:fld id="{48F63A3B-78C7-47BE-AE5E-E10140E04643}" type="slidenum">
               <a:rPr lang="en-US" smtClean="0"/>
               <a:pPr/>
-              <a:t>6</a:t>
+              <a:t>7</a:t>
             </a:fld>
             <a:endParaRPr lang="en-US" dirty="0"/>
           </a:p>
@@ -19813,7 +20296,7 @@
 </p:sld>
 </file>
 
-<file path=ppt/slides/slide7.xml><?xml version="1.0" encoding="utf-8"?>
+<file path=ppt/slides/slide8.xml><?xml version="1.0" encoding="utf-8"?>
 <p:sld xmlns:a="http://schemas.openxmlformats.org/drawingml/2006/main" xmlns:r="http://schemas.openxmlformats.org/officeDocument/2006/relationships" xmlns:p="http://schemas.openxmlformats.org/presentationml/2006/main">
   <p:cSld>
     <p:spTree>
@@ -20209,7 +20692,7 @@
             <a:fld id="{48F63A3B-78C7-47BE-AE5E-E10140E04643}" type="slidenum">
               <a:rPr lang="en-US" smtClean="0"/>
               <a:pPr/>
-              <a:t>7</a:t>
+              <a:t>8</a:t>
             </a:fld>
             <a:endParaRPr lang="en-US" dirty="0"/>
           </a:p>
@@ -20228,7 +20711,7 @@
 </p:sld>
 </file>
 
-<file path=ppt/slides/slide8.xml><?xml version="1.0" encoding="utf-8"?>
+<file path=ppt/slides/slide9.xml><?xml version="1.0" encoding="utf-8"?>
 <p:sld xmlns:a="http://schemas.openxmlformats.org/drawingml/2006/main" xmlns:r="http://schemas.openxmlformats.org/officeDocument/2006/relationships" xmlns:p="http://schemas.openxmlformats.org/presentationml/2006/main">
   <p:cSld>
     <p:spTree>
@@ -20309,8 +20792,8 @@
         </p:nvSpPr>
         <p:spPr bwMode="auto">
           <a:xfrm>
-            <a:off x="189081" y="2129453"/>
-            <a:ext cx="10528080" cy="2708434"/>
+            <a:off x="442451" y="1732772"/>
+            <a:ext cx="10528080" cy="4247317"/>
           </a:xfrm>
           <a:prstGeom prst="rect">
             <a:avLst/>
@@ -20363,7 +20846,7 @@
               <a:buChar char="•"/>
             </a:pPr>
             <a:r>
-              <a:rPr lang="en-US" sz="1600" dirty="0">
+              <a:rPr lang="en-US" sz="2000" dirty="0">
                 <a:solidFill>
                   <a:schemeClr val="tx1"/>
                 </a:solidFill>
@@ -20371,7 +20854,7 @@
               <a:t>After studying these papers, I have realized that there are significant developments in the medical industry, especially with the integration of </a:t>
             </a:r>
             <a:r>
-              <a:rPr lang="en-US" sz="1600" b="1" dirty="0">
+              <a:rPr lang="en-US" sz="2000" b="1" dirty="0">
                 <a:solidFill>
                   <a:schemeClr val="tx1"/>
                 </a:solidFill>
@@ -20379,7 +20862,7 @@
               <a:t>FPGA-based systems</a:t>
             </a:r>
             <a:r>
-              <a:rPr lang="en-US" sz="1600" dirty="0">
+              <a:rPr lang="en-US" sz="2000" dirty="0">
                 <a:solidFill>
                   <a:schemeClr val="tx1"/>
                 </a:solidFill>
@@ -20387,7 +20870,7 @@
               <a:t>. Almost every project incorporates </a:t>
             </a:r>
             <a:r>
-              <a:rPr lang="en-US" sz="1600" b="1" dirty="0">
+              <a:rPr lang="en-US" sz="2000" b="1" dirty="0">
                 <a:solidFill>
                   <a:schemeClr val="tx1"/>
                 </a:solidFill>
@@ -20395,7 +20878,7 @@
               <a:t>machine learning (ML)</a:t>
             </a:r>
             <a:r>
-              <a:rPr lang="en-US" sz="1600" dirty="0">
+              <a:rPr lang="en-US" sz="2000" dirty="0">
                 <a:solidFill>
                   <a:schemeClr val="tx1"/>
                 </a:solidFill>
@@ -20403,7 +20886,7 @@
               <a:t> or </a:t>
             </a:r>
             <a:r>
-              <a:rPr lang="en-US" sz="1600" b="1" dirty="0">
+              <a:rPr lang="en-US" sz="2000" b="1" dirty="0">
                 <a:solidFill>
                   <a:schemeClr val="tx1"/>
                 </a:solidFill>
@@ -20411,7 +20894,7 @@
               <a:t>deep learning (DL)</a:t>
             </a:r>
             <a:r>
-              <a:rPr lang="en-US" sz="1600" dirty="0">
+              <a:rPr lang="en-US" sz="2000" dirty="0">
                 <a:solidFill>
                   <a:schemeClr val="tx1"/>
                 </a:solidFill>
@@ -20425,7 +20908,7 @@
               <a:buChar char="•"/>
             </a:pPr>
             <a:r>
-              <a:rPr lang="en-US" sz="1600" dirty="0">
+              <a:rPr lang="en-US" sz="2000" dirty="0">
                 <a:solidFill>
                   <a:schemeClr val="tx1"/>
                 </a:solidFill>
@@ -20433,7 +20916,7 @@
               <a:t>In each paper we discussed, there's potential to incorporate improved </a:t>
             </a:r>
             <a:r>
-              <a:rPr lang="en-US" sz="1600" b="1" dirty="0">
+              <a:rPr lang="en-US" sz="2000" b="1" dirty="0">
                 <a:solidFill>
                   <a:schemeClr val="tx1"/>
                 </a:solidFill>
@@ -20441,7 +20924,7 @@
               <a:t>Deep Neural Networks (DNNs)</a:t>
             </a:r>
             <a:r>
-              <a:rPr lang="en-US" sz="1600" dirty="0">
+              <a:rPr lang="en-US" sz="2000" dirty="0">
                 <a:solidFill>
                   <a:schemeClr val="tx1"/>
                 </a:solidFill>
@@ -20449,7 +20932,7 @@
               <a:t> or </a:t>
             </a:r>
             <a:r>
-              <a:rPr lang="en-US" sz="1600" b="1" dirty="0">
+              <a:rPr lang="en-US" sz="2000" b="1" dirty="0">
                 <a:solidFill>
                   <a:schemeClr val="tx1"/>
                 </a:solidFill>
@@ -20457,7 +20940,7 @@
               <a:t>Recurrent Neural Networks (RNNs)</a:t>
             </a:r>
             <a:r>
-              <a:rPr lang="en-US" sz="1600" dirty="0">
+              <a:rPr lang="en-US" sz="2000" dirty="0">
                 <a:solidFill>
                   <a:schemeClr val="tx1"/>
                 </a:solidFill>
@@ -20465,7 +20948,7 @@
               <a:t> to further enhance the accuracy of the results. From a hardware perspective, </a:t>
             </a:r>
             <a:r>
-              <a:rPr lang="en-US" sz="1600" b="1" dirty="0">
+              <a:rPr lang="en-US" sz="2000" b="1" dirty="0">
                 <a:solidFill>
                   <a:schemeClr val="tx1"/>
                 </a:solidFill>
@@ -20473,7 +20956,7 @@
               <a:t>hardware acceleration</a:t>
             </a:r>
             <a:r>
-              <a:rPr lang="en-US" sz="1600" dirty="0">
+              <a:rPr lang="en-US" sz="2000" dirty="0">
                 <a:solidFill>
                   <a:schemeClr val="tx1"/>
                 </a:solidFill>
@@ -20487,7 +20970,7 @@
               <a:buChar char="•"/>
             </a:pPr>
             <a:r>
-              <a:rPr lang="en-US" sz="1600" dirty="0">
+              <a:rPr lang="en-US" sz="2000" dirty="0">
                 <a:solidFill>
                   <a:schemeClr val="tx1"/>
                 </a:solidFill>
@@ -20495,7 +20978,7 @@
               <a:t>While most of these projects are already well-developed and optimized for their specific purposes, what we can do is focus on </a:t>
             </a:r>
             <a:r>
-              <a:rPr lang="en-US" sz="1600" b="1" dirty="0">
+              <a:rPr lang="en-US" sz="2000" b="1" dirty="0">
                 <a:solidFill>
                   <a:schemeClr val="tx1"/>
                 </a:solidFill>
@@ -20503,12 +20986,12 @@
               <a:t>real-time medical problems or diseases</a:t>
             </a:r>
             <a:r>
-              <a:rPr lang="en-US" sz="1600" dirty="0">
+              <a:rPr lang="en-US" sz="2000" dirty="0">
                 <a:solidFill>
                   <a:schemeClr val="tx1"/>
                 </a:solidFill>
               </a:rPr>
-              <a:t> within the same domain. With the experience and insights gained from these studies, we can design a solution by following a similar approach—combining ML/DL models with FPGA for medical applications that still lack efficient solutions.</a:t>
+              <a:t> within the same domain or other fields. With the experience and insights gained from these studies, we can design a solution by following a similar approach—combining ML/DL models with FPGA for medical applications that still lack efficient solutions.</a:t>
             </a:r>
           </a:p>
         </p:txBody>
@@ -20517,172 +21000,6 @@
     <p:extLst>
       <p:ext uri="{BB962C8B-B14F-4D97-AF65-F5344CB8AC3E}">
         <p14:creationId xmlns:p14="http://schemas.microsoft.com/office/powerpoint/2010/main" val="2099787966"/>
-      </p:ext>
-    </p:extLst>
-  </p:cSld>
-  <p:clrMapOvr>
-    <a:masterClrMapping/>
-  </p:clrMapOvr>
-</p:sld>
-</file>
-
-<file path=ppt/slides/slide9.xml><?xml version="1.0" encoding="utf-8"?>
-<p:sld xmlns:a="http://schemas.openxmlformats.org/drawingml/2006/main" xmlns:r="http://schemas.openxmlformats.org/officeDocument/2006/relationships" xmlns:p="http://schemas.openxmlformats.org/presentationml/2006/main">
-  <p:cSld>
-    <p:spTree>
-      <p:nvGrpSpPr>
-        <p:cNvPr id="1" name=""/>
-        <p:cNvGrpSpPr/>
-        <p:nvPr/>
-      </p:nvGrpSpPr>
-      <p:grpSpPr>
-        <a:xfrm>
-          <a:off x="0" y="0"/>
-          <a:ext cx="0" cy="0"/>
-          <a:chOff x="0" y="0"/>
-          <a:chExt cx="0" cy="0"/>
-        </a:xfrm>
-      </p:grpSpPr>
-      <p:sp>
-        <p:nvSpPr>
-          <p:cNvPr id="2" name="Title 1">
-            <a:extLst>
-              <a:ext uri="{FF2B5EF4-FFF2-40B4-BE49-F238E27FC236}">
-                <a16:creationId xmlns:a16="http://schemas.microsoft.com/office/drawing/2014/main" id="{509D22C5-0C9E-B582-A8FE-B45E70A01E7F}"/>
-              </a:ext>
-            </a:extLst>
-          </p:cNvPr>
-          <p:cNvSpPr>
-            <a:spLocks noGrp="1"/>
-          </p:cNvSpPr>
-          <p:nvPr>
-            <p:ph type="ctrTitle"/>
-          </p:nvPr>
-        </p:nvSpPr>
-        <p:spPr>
-          <a:xfrm>
-            <a:off x="914401" y="849782"/>
-            <a:ext cx="5715000" cy="2727709"/>
-          </a:xfrm>
-        </p:spPr>
-        <p:txBody>
-          <a:bodyPr/>
-          <a:lstStyle/>
-          <a:p>
-            <a:r>
-              <a:rPr lang="en-US" dirty="0"/>
-              <a:t>Thank </a:t>
-            </a:r>
-            <a:br>
-              <a:rPr lang="en-US" dirty="0"/>
-            </a:br>
-            <a:r>
-              <a:rPr lang="en-US" dirty="0"/>
-              <a:t>you</a:t>
-            </a:r>
-          </a:p>
-        </p:txBody>
-      </p:sp>
-      <p:sp>
-        <p:nvSpPr>
-          <p:cNvPr id="6" name="Rectangle 3">
-            <a:extLst>
-              <a:ext uri="{FF2B5EF4-FFF2-40B4-BE49-F238E27FC236}">
-                <a16:creationId xmlns:a16="http://schemas.microsoft.com/office/drawing/2014/main" id="{9823F298-F4E0-D2AC-92B8-BF4991C7A074}"/>
-              </a:ext>
-            </a:extLst>
-          </p:cNvPr>
-          <p:cNvSpPr>
-            <a:spLocks noGrp="1" noChangeArrowheads="1"/>
-          </p:cNvSpPr>
-          <p:nvPr>
-            <p:ph type="subTitle" idx="1"/>
-          </p:nvPr>
-        </p:nvSpPr>
-        <p:spPr bwMode="auto">
-          <a:xfrm>
-            <a:off x="-1327356" y="4761498"/>
-            <a:ext cx="15515303" cy="338554"/>
-          </a:xfrm>
-          <a:prstGeom prst="rect">
-            <a:avLst/>
-          </a:prstGeom>
-          <a:noFill/>
-          <a:ln>
-            <a:noFill/>
-          </a:ln>
-          <a:effectLst/>
-          <a:extLst>
-            <a:ext uri="{909E8E84-426E-40DD-AFC4-6F175D3DCCD1}">
-              <a14:hiddenFill xmlns:a14="http://schemas.microsoft.com/office/drawing/2010/main">
-                <a:solidFill>
-                  <a:schemeClr val="accent1"/>
-                </a:solidFill>
-              </a14:hiddenFill>
-            </a:ext>
-            <a:ext uri="{91240B29-F687-4F45-9708-019B960494DF}">
-              <a14:hiddenLine xmlns:a14="http://schemas.microsoft.com/office/drawing/2010/main" w="9525">
-                <a:solidFill>
-                  <a:schemeClr val="tx1"/>
-                </a:solidFill>
-                <a:miter lim="800000"/>
-                <a:headEnd/>
-                <a:tailEnd/>
-              </a14:hiddenLine>
-            </a:ext>
-            <a:ext uri="{AF507438-7753-43E0-B8FC-AC1667EBCBE1}">
-              <a14:hiddenEffects xmlns:a14="http://schemas.microsoft.com/office/drawing/2010/main">
-                <a:effectLst>
-                  <a:outerShdw dist="35921" dir="2700000" algn="ctr" rotWithShape="0">
-                    <a:schemeClr val="bg2"/>
-                  </a:outerShdw>
-                </a:effectLst>
-              </a14:hiddenEffects>
-            </a:ext>
-          </a:extLst>
-        </p:spPr>
-        <p:txBody>
-          <a:bodyPr vert="horz" wrap="square" lIns="91440" tIns="45720" rIns="91440" bIns="45720" numCol="1" anchor="ctr" anchorCtr="0" compatLnSpc="1">
-            <a:prstTxWarp prst="textNoShape">
-              <a:avLst/>
-            </a:prstTxWarp>
-            <a:spAutoFit/>
-          </a:bodyPr>
-          <a:lstStyle/>
-          <a:p>
-            <a:pPr marL="0" marR="0" lvl="0" indent="0" algn="l" defTabSz="914400" rtl="0" eaLnBrk="0" fontAlgn="base" latinLnBrk="0" hangingPunct="0">
-              <a:lnSpc>
-                <a:spcPct val="100000"/>
-              </a:lnSpc>
-              <a:spcBef>
-                <a:spcPct val="0"/>
-              </a:spcBef>
-              <a:spcAft>
-                <a:spcPct val="0"/>
-              </a:spcAft>
-              <a:buClrTx/>
-              <a:buSzTx/>
-              <a:buFontTx/>
-              <a:buChar char="•"/>
-              <a:tabLst/>
-            </a:pPr>
-            <a:endParaRPr kumimoji="0" lang="en-US" altLang="en-US" sz="1600" b="0" i="0" u="none" strike="noStrike" cap="none" normalizeH="0" baseline="0" dirty="0">
-              <a:ln>
-                <a:noFill/>
-              </a:ln>
-              <a:solidFill>
-                <a:schemeClr val="tx1"/>
-              </a:solidFill>
-              <a:effectLst/>
-              <a:latin typeface="Arial" panose="020B0604020202020204" pitchFamily="34" charset="0"/>
-            </a:endParaRPr>
-          </a:p>
-        </p:txBody>
-      </p:sp>
-    </p:spTree>
-    <p:extLst>
-      <p:ext uri="{BB962C8B-B14F-4D97-AF65-F5344CB8AC3E}">
-        <p14:creationId xmlns:p14="http://schemas.microsoft.com/office/powerpoint/2010/main" val="1973173046"/>
       </p:ext>
     </p:extLst>
   </p:cSld>
@@ -21484,35 +21801,6 @@
 </file>
 
 <file path=customXml/item1.xml><?xml version="1.0" encoding="utf-8"?>
-<?mso-contentType ?>
-<FormTemplates xmlns="http://schemas.microsoft.com/sharepoint/v3/contenttype/forms">
-  <Display>DocumentLibraryForm</Display>
-  <Edit>DocumentLibraryForm</Edit>
-  <New>DocumentLibraryForm</New>
-</FormTemplates>
-</file>
-
-<file path=customXml/item2.xml><?xml version="1.0" encoding="utf-8"?>
-<p:properties xmlns:p="http://schemas.microsoft.com/office/2006/metadata/properties" xmlns:xsi="http://www.w3.org/2001/XMLSchema-instance" xmlns:pc="http://schemas.microsoft.com/office/infopath/2007/PartnerControls">
-  <documentManagement>
-    <_ip_UnifiedCompliancePolicyUIAction xmlns="http://schemas.microsoft.com/sharepoint/v3" xsi:nil="true"/>
-    <Image xmlns="71af3243-3dd4-4a8d-8c0d-dd76da1f02a5">
-      <Url xsi:nil="true"/>
-      <Description xsi:nil="true"/>
-    </Image>
-    <Status xmlns="71af3243-3dd4-4a8d-8c0d-dd76da1f02a5">Not started</Status>
-    <Background xmlns="71af3243-3dd4-4a8d-8c0d-dd76da1f02a5">false</Background>
-    <_ip_UnifiedCompliancePolicyProperties xmlns="http://schemas.microsoft.com/sharepoint/v3" xsi:nil="true"/>
-    <ImageTagsTaxHTField xmlns="71af3243-3dd4-4a8d-8c0d-dd76da1f02a5">
-      <Terms xmlns="http://schemas.microsoft.com/office/infopath/2007/PartnerControls"/>
-    </ImageTagsTaxHTField>
-    <TaxCatchAll xmlns="230e9df3-be65-4c73-a93b-d1236ebd677e" xsi:nil="true"/>
-    <MediaServiceKeyPoints xmlns="71af3243-3dd4-4a8d-8c0d-dd76da1f02a5" xsi:nil="true"/>
-  </documentManagement>
-</p:properties>
-</file>
-
-<file path=customXml/item3.xml><?xml version="1.0" encoding="utf-8"?>
 <ct:contentTypeSchema xmlns:ct="http://schemas.microsoft.com/office/2006/metadata/contentType" xmlns:ma="http://schemas.microsoft.com/office/2006/metadata/properties/metaAttributes" ct:_="" ma:_="" ma:contentTypeName="Document" ma:contentTypeID="0x01010079F111ED35F8CC479449609E8A0923A6" ma:contentTypeVersion="28" ma:contentTypeDescription="Create a new document." ma:contentTypeScope="" ma:versionID="60f5a4f2d2b0abadcf532d48ebf9cb71">
   <xsd:schema xmlns:xsd="http://www.w3.org/2001/XMLSchema" xmlns:xs="http://www.w3.org/2001/XMLSchema" xmlns:p="http://schemas.microsoft.com/office/2006/metadata/properties" xmlns:ns1="http://schemas.microsoft.com/sharepoint/v3" xmlns:ns2="71af3243-3dd4-4a8d-8c0d-dd76da1f02a5" xmlns:ns3="16c05727-aa75-4e4a-9b5f-8a80a1165891" xmlns:ns4="230e9df3-be65-4c73-a93b-d1236ebd677e" targetNamespace="http://schemas.microsoft.com/office/2006/metadata/properties" ma:root="true" ma:fieldsID="7dd78129e6a1811f84807ad11c651531" ns1:_="" ns2:_="" ns3:_="" ns4:_="">
     <xsd:import namespace="http://schemas.microsoft.com/sharepoint/v3"/>
@@ -21824,27 +22112,36 @@
 </ct:contentTypeSchema>
 </file>
 
-<file path=customXml/itemProps1.xml><?xml version="1.0" encoding="utf-8"?>
-<ds:datastoreItem xmlns:ds="http://schemas.openxmlformats.org/officeDocument/2006/customXml" ds:itemID="{16DBB56F-4362-4386-A1A1-3DF898896616}">
-  <ds:schemaRefs>
-    <ds:schemaRef ds:uri="http://schemas.microsoft.com/sharepoint/v3/contenttype/forms"/>
-  </ds:schemaRefs>
-</ds:datastoreItem>
+<file path=customXml/item2.xml><?xml version="1.0" encoding="utf-8"?>
+<p:properties xmlns:p="http://schemas.microsoft.com/office/2006/metadata/properties" xmlns:xsi="http://www.w3.org/2001/XMLSchema-instance" xmlns:pc="http://schemas.microsoft.com/office/infopath/2007/PartnerControls">
+  <documentManagement>
+    <_ip_UnifiedCompliancePolicyUIAction xmlns="http://schemas.microsoft.com/sharepoint/v3" xsi:nil="true"/>
+    <Image xmlns="71af3243-3dd4-4a8d-8c0d-dd76da1f02a5">
+      <Url xsi:nil="true"/>
+      <Description xsi:nil="true"/>
+    </Image>
+    <Status xmlns="71af3243-3dd4-4a8d-8c0d-dd76da1f02a5">Not started</Status>
+    <Background xmlns="71af3243-3dd4-4a8d-8c0d-dd76da1f02a5">false</Background>
+    <_ip_UnifiedCompliancePolicyProperties xmlns="http://schemas.microsoft.com/sharepoint/v3" xsi:nil="true"/>
+    <ImageTagsTaxHTField xmlns="71af3243-3dd4-4a8d-8c0d-dd76da1f02a5">
+      <Terms xmlns="http://schemas.microsoft.com/office/infopath/2007/PartnerControls"/>
+    </ImageTagsTaxHTField>
+    <TaxCatchAll xmlns="230e9df3-be65-4c73-a93b-d1236ebd677e" xsi:nil="true"/>
+    <MediaServiceKeyPoints xmlns="71af3243-3dd4-4a8d-8c0d-dd76da1f02a5" xsi:nil="true"/>
+  </documentManagement>
+</p:properties>
 </file>
 
-<file path=customXml/itemProps2.xml><?xml version="1.0" encoding="utf-8"?>
-<ds:datastoreItem xmlns:ds="http://schemas.openxmlformats.org/officeDocument/2006/customXml" ds:itemID="{BA719FA4-954C-4FA8-82CB-206659C3B826}">
-  <ds:schemaRefs>
-    <ds:schemaRef ds:uri="http://schemas.microsoft.com/office/2006/metadata/properties"/>
-    <ds:schemaRef ds:uri="http://schemas.microsoft.com/office/infopath/2007/PartnerControls"/>
-    <ds:schemaRef ds:uri="http://schemas.microsoft.com/sharepoint/v3"/>
-    <ds:schemaRef ds:uri="71af3243-3dd4-4a8d-8c0d-dd76da1f02a5"/>
-    <ds:schemaRef ds:uri="230e9df3-be65-4c73-a93b-d1236ebd677e"/>
-  </ds:schemaRefs>
-</ds:datastoreItem>
+<file path=customXml/item3.xml><?xml version="1.0" encoding="utf-8"?>
+<?mso-contentType ?>
+<FormTemplates xmlns="http://schemas.microsoft.com/sharepoint/v3/contenttype/forms">
+  <Display>DocumentLibraryForm</Display>
+  <Edit>DocumentLibraryForm</Edit>
+  <New>DocumentLibraryForm</New>
+</FormTemplates>
 </file>
 
-<file path=customXml/itemProps3.xml><?xml version="1.0" encoding="utf-8"?>
+<file path=customXml/itemProps1.xml><?xml version="1.0" encoding="utf-8"?>
 <ds:datastoreItem xmlns:ds="http://schemas.openxmlformats.org/officeDocument/2006/customXml" ds:itemID="{04948363-B267-4BAC-8655-100FBEC280C1}">
   <ds:schemaRefs>
     <ds:schemaRef ds:uri="http://schemas.microsoft.com/office/2006/metadata/contentType"/>
@@ -21865,6 +22162,26 @@
 </ds:datastoreItem>
 </file>
 
+<file path=customXml/itemProps2.xml><?xml version="1.0" encoding="utf-8"?>
+<ds:datastoreItem xmlns:ds="http://schemas.openxmlformats.org/officeDocument/2006/customXml" ds:itemID="{BA719FA4-954C-4FA8-82CB-206659C3B826}">
+  <ds:schemaRefs>
+    <ds:schemaRef ds:uri="http://schemas.microsoft.com/office/2006/metadata/properties"/>
+    <ds:schemaRef ds:uri="http://schemas.microsoft.com/office/infopath/2007/PartnerControls"/>
+    <ds:schemaRef ds:uri="http://schemas.microsoft.com/sharepoint/v3"/>
+    <ds:schemaRef ds:uri="71af3243-3dd4-4a8d-8c0d-dd76da1f02a5"/>
+    <ds:schemaRef ds:uri="230e9df3-be65-4c73-a93b-d1236ebd677e"/>
+  </ds:schemaRefs>
+</ds:datastoreItem>
+</file>
+
+<file path=customXml/itemProps3.xml><?xml version="1.0" encoding="utf-8"?>
+<ds:datastoreItem xmlns:ds="http://schemas.openxmlformats.org/officeDocument/2006/customXml" ds:itemID="{16DBB56F-4362-4386-A1A1-3DF898896616}">
+  <ds:schemaRefs>
+    <ds:schemaRef ds:uri="http://schemas.microsoft.com/sharepoint/v3/contenttype/forms"/>
+  </ds:schemaRefs>
+</ds:datastoreItem>
+</file>
+
 <file path=docMetadata/LabelInfo.xml><?xml version="1.0" encoding="utf-8"?>
 <clbl:labelList xmlns:clbl="http://schemas.microsoft.com/office/2020/mipLabelMetadata"/>
 </file>